--- a/111052_projectB_report.pptx
+++ b/111052_projectB_report.pptx
@@ -945,6 +945,17 @@
             </a:rPr>
             <a:t>訓練資料前處理</a:t>
           </a:r>
+          <a:r>
+            <a:rPr lang="en-US" altLang="zh-TW" b="1" dirty="0">
+              <a:latin typeface="微軟正黑體" panose="020B0604030504040204" pitchFamily="34" charset="-120"/>
+              <a:ea typeface="微軟正黑體" panose="020B0604030504040204" pitchFamily="34" charset="-120"/>
+            </a:rPr>
+            <a:t>(train1&amp;train2)</a:t>
+          </a:r>
+          <a:endParaRPr lang="zh-TW" altLang="en-US" b="1" dirty="0">
+            <a:latin typeface="微軟正黑體" panose="020B0604030504040204" pitchFamily="34" charset="-120"/>
+            <a:ea typeface="微軟正黑體" panose="020B0604030504040204" pitchFamily="34" charset="-120"/>
+          </a:endParaRPr>
         </a:p>
       </dgm:t>
     </dgm:pt>
@@ -1072,6 +1083,17 @@
             </a:rPr>
             <a:t>測試資料前處理</a:t>
           </a:r>
+          <a:r>
+            <a:rPr lang="en-US" altLang="zh-TW" b="1" dirty="0">
+              <a:latin typeface="微軟正黑體" panose="020B0604030504040204" pitchFamily="34" charset="-120"/>
+              <a:ea typeface="微軟正黑體" panose="020B0604030504040204" pitchFamily="34" charset="-120"/>
+            </a:rPr>
+            <a:t>(test)</a:t>
+          </a:r>
+          <a:endParaRPr lang="zh-TW" altLang="en-US" b="1" dirty="0">
+            <a:latin typeface="微軟正黑體" panose="020B0604030504040204" pitchFamily="34" charset="-120"/>
+            <a:ea typeface="微軟正黑體" panose="020B0604030504040204" pitchFamily="34" charset="-120"/>
+          </a:endParaRPr>
         </a:p>
       </dgm:t>
     </dgm:pt>
@@ -1493,6 +1515,17 @@
             </a:rPr>
             <a:t>訓練資料前處理</a:t>
           </a:r>
+          <a:r>
+            <a:rPr lang="en-US" altLang="zh-TW" sz="1200" b="1" kern="1200" dirty="0">
+              <a:latin typeface="微軟正黑體" panose="020B0604030504040204" pitchFamily="34" charset="-120"/>
+              <a:ea typeface="微軟正黑體" panose="020B0604030504040204" pitchFamily="34" charset="-120"/>
+            </a:rPr>
+            <a:t>(train1&amp;train2)</a:t>
+          </a:r>
+          <a:endParaRPr lang="zh-TW" altLang="en-US" sz="1200" b="1" kern="1200" dirty="0">
+            <a:latin typeface="微軟正黑體" panose="020B0604030504040204" pitchFamily="34" charset="-120"/>
+            <a:ea typeface="微軟正黑體" panose="020B0604030504040204" pitchFamily="34" charset="-120"/>
+          </a:endParaRPr>
         </a:p>
       </dsp:txBody>
       <dsp:txXfrm>
@@ -1705,6 +1738,17 @@
             </a:rPr>
             <a:t>測試資料前處理</a:t>
           </a:r>
+          <a:r>
+            <a:rPr lang="en-US" altLang="zh-TW" sz="1200" b="1" kern="1200" dirty="0">
+              <a:latin typeface="微軟正黑體" panose="020B0604030504040204" pitchFamily="34" charset="-120"/>
+              <a:ea typeface="微軟正黑體" panose="020B0604030504040204" pitchFamily="34" charset="-120"/>
+            </a:rPr>
+            <a:t>(test)</a:t>
+          </a:r>
+          <a:endParaRPr lang="zh-TW" altLang="en-US" sz="1200" b="1" kern="1200" dirty="0">
+            <a:latin typeface="微軟正黑體" panose="020B0604030504040204" pitchFamily="34" charset="-120"/>
+            <a:ea typeface="微軟正黑體" panose="020B0604030504040204" pitchFamily="34" charset="-120"/>
+          </a:endParaRPr>
         </a:p>
       </dsp:txBody>
       <dsp:txXfrm>
@@ -23501,6 +23545,16 @@
           <a:p>
             <a:r>
               <a:rPr lang="zh-TW" altLang="en-US" sz="1800" dirty="0"/>
+              <a:t>最佳化：</a:t>
+            </a:r>
+            <a:r>
+              <a:rPr lang="en-US" altLang="zh-TW" sz="1800" dirty="0"/>
+              <a:t>Adam</a:t>
+            </a:r>
+          </a:p>
+          <a:p>
+            <a:r>
+              <a:rPr lang="zh-TW" altLang="en-US" sz="1800" dirty="0"/>
               <a:t>激勵函數：</a:t>
             </a:r>
             <a:r>
@@ -25900,59 +25954,74 @@
               <a:rPr lang="zh-TW" altLang="en-US" sz="1800" dirty="0"/>
               <a:t>套裝選擇：</a:t>
             </a:r>
+            <a:endParaRPr lang="en-US" altLang="zh-TW" sz="1800" dirty="0"/>
+          </a:p>
+          <a:p>
+            <a:pPr lvl="1"/>
             <a:r>
-              <a:rPr lang="en-US" altLang="zh-TW" sz="1800" dirty="0" err="1"/>
+              <a:rPr lang="zh-TW" altLang="en-US" sz="1400" dirty="0"/>
+              <a:t>資料前處理：</a:t>
+            </a:r>
+            <a:r>
+              <a:rPr lang="en-US" altLang="zh-TW" sz="1400" dirty="0" err="1"/>
               <a:t>numpy</a:t>
             </a:r>
             <a:r>
-              <a:rPr lang="zh-TW" altLang="en-US" sz="1800" dirty="0"/>
+              <a:rPr lang="zh-TW" altLang="en-US" sz="1400" dirty="0"/>
               <a:t>、</a:t>
             </a:r>
             <a:r>
-              <a:rPr lang="en-US" altLang="zh-TW" sz="1800" dirty="0"/>
+              <a:rPr lang="en-US" altLang="zh-TW" sz="1400" dirty="0"/>
               <a:t>pandas</a:t>
             </a:r>
+          </a:p>
+          <a:p>
+            <a:pPr lvl="1"/>
             <a:r>
-              <a:rPr lang="zh-TW" altLang="en-US" sz="1800" dirty="0"/>
+              <a:rPr lang="zh-TW" altLang="en-US" sz="1400" dirty="0"/>
+              <a:t>模型訓練：</a:t>
+            </a:r>
+            <a:r>
+              <a:rPr lang="en-US" altLang="zh-TW" sz="1400" dirty="0" err="1"/>
+              <a:t>tensorflow</a:t>
+            </a:r>
+            <a:r>
+              <a:rPr lang="zh-TW" altLang="en-US" sz="1400" dirty="0"/>
               <a:t>、</a:t>
             </a:r>
             <a:r>
-              <a:rPr lang="en-US" altLang="zh-TW" sz="1800" dirty="0" err="1"/>
-              <a:t>tensorflow</a:t>
+              <a:rPr lang="en-US" altLang="zh-TW" sz="1400" dirty="0" err="1"/>
+              <a:t>sklearn</a:t>
             </a:r>
             <a:r>
-              <a:rPr lang="zh-TW" altLang="en-US" sz="1800" dirty="0"/>
+              <a:rPr lang="zh-TW" altLang="en-US" sz="1400" dirty="0"/>
               <a:t>、</a:t>
             </a:r>
             <a:r>
-              <a:rPr lang="en-US" altLang="zh-TW" sz="1800" dirty="0" err="1"/>
-              <a:t>sklearn</a:t>
+              <a:rPr lang="en-US" altLang="zh-TW" sz="1400" dirty="0" err="1"/>
+              <a:t>keras</a:t>
+            </a:r>
+            <a:endParaRPr lang="en-US" altLang="zh-TW" sz="1400" dirty="0"/>
+          </a:p>
+          <a:p>
+            <a:pPr lvl="1"/>
+            <a:r>
+              <a:rPr lang="zh-TW" altLang="en-US" sz="1400" dirty="0"/>
+              <a:t>其他：</a:t>
             </a:r>
             <a:r>
-              <a:rPr lang="zh-TW" altLang="en-US" sz="1800" dirty="0"/>
+              <a:rPr lang="en-US" altLang="zh-TW" sz="1400" dirty="0"/>
+              <a:t>copy</a:t>
+            </a:r>
+            <a:r>
+              <a:rPr lang="zh-TW" altLang="en-US" sz="1400" dirty="0"/>
               <a:t>、</a:t>
             </a:r>
             <a:r>
-              <a:rPr lang="en-US" altLang="zh-TW" sz="1800" dirty="0" err="1"/>
-              <a:t>keras</a:t>
-            </a:r>
-            <a:r>
-              <a:rPr lang="zh-TW" altLang="en-US" sz="1800" dirty="0"/>
-              <a:t>、</a:t>
-            </a:r>
-            <a:r>
-              <a:rPr lang="en-US" altLang="zh-TW" sz="1800" dirty="0"/>
-              <a:t>copy</a:t>
-            </a:r>
-            <a:r>
-              <a:rPr lang="zh-TW" altLang="en-US" sz="1800" dirty="0"/>
-              <a:t>、</a:t>
-            </a:r>
-            <a:r>
-              <a:rPr lang="en-US" altLang="zh-TW" sz="1800" dirty="0" err="1"/>
+              <a:rPr lang="en-US" altLang="zh-TW" sz="1400" dirty="0" err="1"/>
               <a:t>os</a:t>
             </a:r>
-            <a:endParaRPr lang="en-US" altLang="zh-TW" sz="1800" dirty="0"/>
+            <a:endParaRPr lang="en-US" altLang="zh-TW" sz="1400" dirty="0"/>
           </a:p>
           <a:p>
             <a:endParaRPr lang="en-US" altLang="zh-TW" sz="1800" dirty="0"/>
@@ -25978,13 +26047,13 @@
           <p:nvPr>
             <p:extLst>
               <p:ext uri="{D42A27DB-BD31-4B8C-83A1-F6EECF244321}">
-                <p14:modId xmlns:p14="http://schemas.microsoft.com/office/powerpoint/2010/main" val="2453134912"/>
+                <p14:modId xmlns:p14="http://schemas.microsoft.com/office/powerpoint/2010/main" val="296949333"/>
               </p:ext>
             </p:extLst>
           </p:nvPr>
         </p:nvGraphicFramePr>
         <p:xfrm>
-          <a:off x="2515079" y="2587925"/>
+          <a:off x="2817004" y="2868288"/>
           <a:ext cx="6257985" cy="4598048"/>
         </p:xfrm>
         <a:graphic>

--- a/111052_projectB_report.pptx
+++ b/111052_projectB_report.pptx
@@ -5,7 +5,7 @@
     <p:sldMasterId id="2147483672" r:id="rId1"/>
   </p:sldMasterIdLst>
   <p:handoutMasterIdLst>
-    <p:handoutMasterId r:id="rId12"/>
+    <p:handoutMasterId r:id="rId13"/>
   </p:handoutMasterIdLst>
   <p:sldIdLst>
     <p:sldId id="256" r:id="rId2"/>
@@ -15,9 +15,10 @@
     <p:sldId id="263" r:id="rId6"/>
     <p:sldId id="264" r:id="rId7"/>
     <p:sldId id="266" r:id="rId8"/>
-    <p:sldId id="258" r:id="rId9"/>
-    <p:sldId id="260" r:id="rId10"/>
-    <p:sldId id="259" r:id="rId11"/>
+    <p:sldId id="267" r:id="rId9"/>
+    <p:sldId id="258" r:id="rId10"/>
+    <p:sldId id="260" r:id="rId11"/>
+    <p:sldId id="259" r:id="rId12"/>
   </p:sldIdLst>
   <p:sldSz cx="12192000" cy="6858000"/>
   <p:notesSz cx="6797675" cy="9928225"/>
@@ -1006,7 +1007,21 @@
               <a:latin typeface="微軟正黑體" panose="020B0604030504040204" pitchFamily="34" charset="-120"/>
               <a:ea typeface="微軟正黑體" panose="020B0604030504040204" pitchFamily="34" charset="-120"/>
             </a:rPr>
-            <a:t>train_data_preprocessing.py</a:t>
+            <a:t>train1_data_preprocessing.py</a:t>
+          </a:r>
+          <a:r>
+            <a:rPr lang="zh-TW" altLang="en-US" sz="800" b="1" dirty="0">
+              <a:latin typeface="微軟正黑體" panose="020B0604030504040204" pitchFamily="34" charset="-120"/>
+              <a:ea typeface="微軟正黑體" panose="020B0604030504040204" pitchFamily="34" charset="-120"/>
+            </a:rPr>
+            <a:t>與</a:t>
+          </a:r>
+          <a:r>
+            <a:rPr lang="en-US" altLang="zh-TW" sz="800" b="1" dirty="0">
+              <a:latin typeface="微軟正黑體" panose="020B0604030504040204" pitchFamily="34" charset="-120"/>
+              <a:ea typeface="微軟正黑體" panose="020B0604030504040204" pitchFamily="34" charset="-120"/>
+            </a:rPr>
+            <a:t>train2_data_preprocessing.py</a:t>
           </a:r>
         </a:p>
         <a:p>
@@ -1445,8 +1460,8 @@
       </dsp:nvSpPr>
       <dsp:spPr>
         <a:xfrm>
-          <a:off x="0" y="778813"/>
-          <a:ext cx="6257985" cy="911401"/>
+          <a:off x="0" y="676130"/>
+          <a:ext cx="6680679" cy="972961"/>
         </a:xfrm>
         <a:prstGeom prst="rightArrow">
           <a:avLst>
@@ -1491,12 +1506,12 @@
         </a:fontRef>
       </dsp:style>
       <dsp:txBody>
-        <a:bodyPr spcFirstLastPara="0" vert="horz" wrap="square" lIns="45720" tIns="45720" rIns="254000" bIns="144685" numCol="1" spcCol="1270" anchor="ctr" anchorCtr="0">
+        <a:bodyPr spcFirstLastPara="0" vert="horz" wrap="square" lIns="49530" tIns="49530" rIns="254000" bIns="154458" numCol="1" spcCol="1270" anchor="ctr" anchorCtr="0">
           <a:noAutofit/>
         </a:bodyPr>
         <a:lstStyle/>
         <a:p>
-          <a:pPr marL="0" lvl="0" indent="0" algn="l" defTabSz="533400">
+          <a:pPr marL="0" lvl="0" indent="0" algn="l" defTabSz="577850">
             <a:lnSpc>
               <a:spcPct val="90000"/>
             </a:lnSpc>
@@ -1509,28 +1524,28 @@
             <a:buNone/>
           </a:pPr>
           <a:r>
-            <a:rPr lang="zh-TW" altLang="en-US" sz="1200" b="1" kern="1200" dirty="0">
+            <a:rPr lang="zh-TW" altLang="en-US" sz="1300" b="1" kern="1200" dirty="0">
               <a:latin typeface="微軟正黑體" panose="020B0604030504040204" pitchFamily="34" charset="-120"/>
               <a:ea typeface="微軟正黑體" panose="020B0604030504040204" pitchFamily="34" charset="-120"/>
             </a:rPr>
             <a:t>訓練資料前處理</a:t>
           </a:r>
           <a:r>
-            <a:rPr lang="en-US" altLang="zh-TW" sz="1200" b="1" kern="1200" dirty="0">
+            <a:rPr lang="en-US" altLang="zh-TW" sz="1300" b="1" kern="1200" dirty="0">
               <a:latin typeface="微軟正黑體" panose="020B0604030504040204" pitchFamily="34" charset="-120"/>
               <a:ea typeface="微軟正黑體" panose="020B0604030504040204" pitchFamily="34" charset="-120"/>
             </a:rPr>
             <a:t>(train1&amp;train2)</a:t>
           </a:r>
-          <a:endParaRPr lang="zh-TW" altLang="en-US" sz="1200" b="1" kern="1200" dirty="0">
+          <a:endParaRPr lang="zh-TW" altLang="en-US" sz="1300" b="1" kern="1200" dirty="0">
             <a:latin typeface="微軟正黑體" panose="020B0604030504040204" pitchFamily="34" charset="-120"/>
             <a:ea typeface="微軟正黑體" panose="020B0604030504040204" pitchFamily="34" charset="-120"/>
           </a:endParaRPr>
         </a:p>
       </dsp:txBody>
       <dsp:txXfrm>
-        <a:off x="0" y="1006663"/>
-        <a:ext cx="6030135" cy="455701"/>
+        <a:off x="0" y="919370"/>
+        <a:ext cx="6437439" cy="486481"/>
       </dsp:txXfrm>
     </dsp:sp>
     <dsp:sp modelId="{98F0633D-507B-4808-BBC3-B4C8E0D91E71}">
@@ -1540,8 +1555,8 @@
       </dsp:nvSpPr>
       <dsp:spPr>
         <a:xfrm>
-          <a:off x="0" y="1481634"/>
-          <a:ext cx="1927459" cy="1755693"/>
+          <a:off x="0" y="1426424"/>
+          <a:ext cx="2057649" cy="1874281"/>
         </a:xfrm>
         <a:prstGeom prst="rect">
           <a:avLst/>
@@ -1610,7 +1625,21 @@
               <a:latin typeface="微軟正黑體" panose="020B0604030504040204" pitchFamily="34" charset="-120"/>
               <a:ea typeface="微軟正黑體" panose="020B0604030504040204" pitchFamily="34" charset="-120"/>
             </a:rPr>
-            <a:t>train_data_preprocessing.py</a:t>
+            <a:t>train1_data_preprocessing.py</a:t>
+          </a:r>
+          <a:r>
+            <a:rPr lang="zh-TW" altLang="en-US" sz="800" b="1" kern="1200" dirty="0">
+              <a:latin typeface="微軟正黑體" panose="020B0604030504040204" pitchFamily="34" charset="-120"/>
+              <a:ea typeface="微軟正黑體" panose="020B0604030504040204" pitchFamily="34" charset="-120"/>
+            </a:rPr>
+            <a:t>與</a:t>
+          </a:r>
+          <a:r>
+            <a:rPr lang="en-US" altLang="zh-TW" sz="800" b="1" kern="1200" dirty="0">
+              <a:latin typeface="微軟正黑體" panose="020B0604030504040204" pitchFamily="34" charset="-120"/>
+              <a:ea typeface="微軟正黑體" panose="020B0604030504040204" pitchFamily="34" charset="-120"/>
+            </a:rPr>
+            <a:t>train2_data_preprocessing.py</a:t>
           </a:r>
         </a:p>
         <a:p>
@@ -1657,8 +1686,8 @@
         </a:p>
       </dsp:txBody>
       <dsp:txXfrm>
-        <a:off x="0" y="1481634"/>
-        <a:ext cx="1927459" cy="1755693"/>
+        <a:off x="0" y="1426424"/>
+        <a:ext cx="2057649" cy="1874281"/>
       </dsp:txXfrm>
     </dsp:sp>
     <dsp:sp modelId="{7282E7F1-22E3-4D67-8353-A35CB71265D9}">
@@ -1668,8 +1697,8 @@
       </dsp:nvSpPr>
       <dsp:spPr>
         <a:xfrm>
-          <a:off x="1927459" y="1082613"/>
-          <a:ext cx="4330525" cy="911401"/>
+          <a:off x="2057649" y="1000451"/>
+          <a:ext cx="4623029" cy="972961"/>
         </a:xfrm>
         <a:prstGeom prst="rightArrow">
           <a:avLst>
@@ -1714,12 +1743,12 @@
         </a:fontRef>
       </dsp:style>
       <dsp:txBody>
-        <a:bodyPr spcFirstLastPara="0" vert="horz" wrap="square" lIns="45720" tIns="45720" rIns="254000" bIns="144685" numCol="1" spcCol="1270" anchor="ctr" anchorCtr="0">
+        <a:bodyPr spcFirstLastPara="0" vert="horz" wrap="square" lIns="49530" tIns="49530" rIns="254000" bIns="154458" numCol="1" spcCol="1270" anchor="ctr" anchorCtr="0">
           <a:noAutofit/>
         </a:bodyPr>
         <a:lstStyle/>
         <a:p>
-          <a:pPr marL="0" lvl="0" indent="0" algn="l" defTabSz="533400">
+          <a:pPr marL="0" lvl="0" indent="0" algn="l" defTabSz="577850">
             <a:lnSpc>
               <a:spcPct val="90000"/>
             </a:lnSpc>
@@ -1732,28 +1761,28 @@
             <a:buNone/>
           </a:pPr>
           <a:r>
-            <a:rPr lang="zh-TW" altLang="en-US" sz="1200" b="1" kern="1200" dirty="0">
+            <a:rPr lang="zh-TW" altLang="en-US" sz="1300" b="1" kern="1200" dirty="0">
               <a:latin typeface="微軟正黑體" panose="020B0604030504040204" pitchFamily="34" charset="-120"/>
               <a:ea typeface="微軟正黑體" panose="020B0604030504040204" pitchFamily="34" charset="-120"/>
             </a:rPr>
             <a:t>測試資料前處理</a:t>
           </a:r>
           <a:r>
-            <a:rPr lang="en-US" altLang="zh-TW" sz="1200" b="1" kern="1200" dirty="0">
+            <a:rPr lang="en-US" altLang="zh-TW" sz="1300" b="1" kern="1200" dirty="0">
               <a:latin typeface="微軟正黑體" panose="020B0604030504040204" pitchFamily="34" charset="-120"/>
               <a:ea typeface="微軟正黑體" panose="020B0604030504040204" pitchFamily="34" charset="-120"/>
             </a:rPr>
             <a:t>(test)</a:t>
           </a:r>
-          <a:endParaRPr lang="zh-TW" altLang="en-US" sz="1200" b="1" kern="1200" dirty="0">
+          <a:endParaRPr lang="zh-TW" altLang="en-US" sz="1300" b="1" kern="1200" dirty="0">
             <a:latin typeface="微軟正黑體" panose="020B0604030504040204" pitchFamily="34" charset="-120"/>
             <a:ea typeface="微軟正黑體" panose="020B0604030504040204" pitchFamily="34" charset="-120"/>
           </a:endParaRPr>
         </a:p>
       </dsp:txBody>
       <dsp:txXfrm>
-        <a:off x="1927459" y="1310463"/>
-        <a:ext cx="4102675" cy="455701"/>
+        <a:off x="2057649" y="1243691"/>
+        <a:ext cx="4379789" cy="486481"/>
       </dsp:txXfrm>
     </dsp:sp>
     <dsp:sp modelId="{8BFCDAFE-E213-40CE-AF5E-3E73AF2A9B9E}">
@@ -1763,8 +1792,8 @@
       </dsp:nvSpPr>
       <dsp:spPr>
         <a:xfrm>
-          <a:off x="1927459" y="1785435"/>
-          <a:ext cx="1927459" cy="1755693"/>
+          <a:off x="2057649" y="1750744"/>
+          <a:ext cx="2057649" cy="1874281"/>
         </a:xfrm>
         <a:prstGeom prst="rect">
           <a:avLst/>
@@ -1880,8 +1909,8 @@
         </a:p>
       </dsp:txBody>
       <dsp:txXfrm>
-        <a:off x="1927459" y="1785435"/>
-        <a:ext cx="1927459" cy="1755693"/>
+        <a:off x="2057649" y="1750744"/>
+        <a:ext cx="2057649" cy="1874281"/>
       </dsp:txXfrm>
     </dsp:sp>
     <dsp:sp modelId="{5BD93018-F191-4E13-8A33-BE3F992CE096}">
@@ -1891,8 +1920,8 @@
       </dsp:nvSpPr>
       <dsp:spPr>
         <a:xfrm>
-          <a:off x="3854918" y="1386413"/>
-          <a:ext cx="2403066" cy="911401"/>
+          <a:off x="4115298" y="1324771"/>
+          <a:ext cx="2565380" cy="972961"/>
         </a:xfrm>
         <a:prstGeom prst="rightArrow">
           <a:avLst>
@@ -1937,12 +1966,12 @@
         </a:fontRef>
       </dsp:style>
       <dsp:txBody>
-        <a:bodyPr spcFirstLastPara="0" vert="horz" wrap="square" lIns="45720" tIns="45720" rIns="254000" bIns="144685" numCol="1" spcCol="1270" anchor="ctr" anchorCtr="0">
+        <a:bodyPr spcFirstLastPara="0" vert="horz" wrap="square" lIns="49530" tIns="49530" rIns="254000" bIns="154458" numCol="1" spcCol="1270" anchor="ctr" anchorCtr="0">
           <a:noAutofit/>
         </a:bodyPr>
         <a:lstStyle/>
         <a:p>
-          <a:pPr marL="0" lvl="0" indent="0" algn="l" defTabSz="533400">
+          <a:pPr marL="0" lvl="0" indent="0" algn="l" defTabSz="577850">
             <a:lnSpc>
               <a:spcPct val="90000"/>
             </a:lnSpc>
@@ -1955,7 +1984,7 @@
             <a:buNone/>
           </a:pPr>
           <a:r>
-            <a:rPr lang="zh-TW" altLang="en-US" sz="1200" b="1" kern="1200" dirty="0">
+            <a:rPr lang="zh-TW" altLang="en-US" sz="1300" b="1" kern="1200" dirty="0">
               <a:latin typeface="微軟正黑體" panose="020B0604030504040204" pitchFamily="34" charset="-120"/>
               <a:ea typeface="微軟正黑體" panose="020B0604030504040204" pitchFamily="34" charset="-120"/>
             </a:rPr>
@@ -1964,8 +1993,8 @@
         </a:p>
       </dsp:txBody>
       <dsp:txXfrm>
-        <a:off x="3854918" y="1614263"/>
-        <a:ext cx="2175216" cy="455701"/>
+        <a:off x="4115298" y="1568011"/>
+        <a:ext cx="2322140" cy="486481"/>
       </dsp:txXfrm>
     </dsp:sp>
     <dsp:sp modelId="{082CE55B-377F-4A10-B599-E54DC6ECF9CE}">
@@ -1975,8 +2004,8 @@
       </dsp:nvSpPr>
       <dsp:spPr>
         <a:xfrm>
-          <a:off x="3854918" y="2089235"/>
-          <a:ext cx="1927459" cy="1729999"/>
+          <a:off x="4115298" y="2075065"/>
+          <a:ext cx="2057649" cy="1846851"/>
         </a:xfrm>
         <a:prstGeom prst="rect">
           <a:avLst/>
@@ -2016,12 +2045,12 @@
         <a:fontRef idx="minor"/>
       </dsp:style>
       <dsp:txBody>
-        <a:bodyPr spcFirstLastPara="0" vert="horz" wrap="square" lIns="45720" tIns="45720" rIns="45720" bIns="45720" numCol="1" spcCol="1270" anchor="t" anchorCtr="0">
+        <a:bodyPr spcFirstLastPara="0" vert="horz" wrap="square" lIns="49530" tIns="49530" rIns="49530" bIns="49530" numCol="1" spcCol="1270" anchor="t" anchorCtr="0">
           <a:noAutofit/>
         </a:bodyPr>
         <a:lstStyle/>
         <a:p>
-          <a:pPr marL="0" lvl="0" indent="0" algn="l" defTabSz="533400">
+          <a:pPr marL="0" lvl="0" indent="0" algn="l" defTabSz="577850">
             <a:lnSpc>
               <a:spcPct val="90000"/>
             </a:lnSpc>
@@ -2034,14 +2063,14 @@
             <a:buNone/>
           </a:pPr>
           <a:r>
-            <a:rPr lang="zh-TW" altLang="en-US" sz="1200" b="1" kern="1200" dirty="0">
+            <a:rPr lang="zh-TW" altLang="en-US" sz="1300" b="1" kern="1200" dirty="0">
               <a:latin typeface="微軟正黑體" panose="020B0604030504040204" pitchFamily="34" charset="-120"/>
               <a:ea typeface="微軟正黑體" panose="020B0604030504040204" pitchFamily="34" charset="-120"/>
             </a:rPr>
             <a:t>執行</a:t>
           </a:r>
           <a:r>
-            <a:rPr lang="en-US" altLang="zh-TW" sz="1200" b="1" kern="1200" dirty="0">
+            <a:rPr lang="en-US" altLang="zh-TW" sz="1300" b="1" kern="1200" dirty="0">
               <a:latin typeface="微軟正黑體" panose="020B0604030504040204" pitchFamily="34" charset="-120"/>
               <a:ea typeface="微軟正黑體" panose="020B0604030504040204" pitchFamily="34" charset="-120"/>
             </a:rPr>
@@ -2049,7 +2078,7 @@
           </a:r>
         </a:p>
         <a:p>
-          <a:pPr marL="0" lvl="0" indent="0" algn="l" defTabSz="533400">
+          <a:pPr marL="0" lvl="0" indent="0" algn="l" defTabSz="577850">
             <a:lnSpc>
               <a:spcPct val="90000"/>
             </a:lnSpc>
@@ -2062,21 +2091,21 @@
             <a:buNone/>
           </a:pPr>
           <a:r>
-            <a:rPr lang="zh-TW" altLang="en-US" sz="1200" b="1" kern="1200" dirty="0">
+            <a:rPr lang="zh-TW" altLang="en-US" sz="1300" b="1" kern="1200" dirty="0">
               <a:latin typeface="微軟正黑體" panose="020B0604030504040204" pitchFamily="34" charset="-120"/>
               <a:ea typeface="微軟正黑體" panose="020B0604030504040204" pitchFamily="34" charset="-120"/>
             </a:rPr>
             <a:t>獲得訓練後的模型，輸入測試資料，將獲得的預測值儲存至</a:t>
           </a:r>
           <a:r>
-            <a:rPr lang="en-US" altLang="zh-TW" sz="1200" b="1" kern="1200" dirty="0">
+            <a:rPr lang="en-US" altLang="zh-TW" sz="1300" b="1" kern="1200" dirty="0">
               <a:latin typeface="微軟正黑體" panose="020B0604030504040204" pitchFamily="34" charset="-120"/>
               <a:ea typeface="微軟正黑體" panose="020B0604030504040204" pitchFamily="34" charset="-120"/>
             </a:rPr>
             <a:t>.csv</a:t>
           </a:r>
           <a:r>
-            <a:rPr lang="zh-TW" altLang="en-US" sz="1200" b="1" kern="1200" dirty="0">
+            <a:rPr lang="zh-TW" altLang="en-US" sz="1300" b="1" kern="1200" dirty="0">
               <a:latin typeface="微軟正黑體" panose="020B0604030504040204" pitchFamily="34" charset="-120"/>
               <a:ea typeface="微軟正黑體" panose="020B0604030504040204" pitchFamily="34" charset="-120"/>
             </a:rPr>
@@ -2085,8 +2114,8 @@
         </a:p>
       </dsp:txBody>
       <dsp:txXfrm>
-        <a:off x="3854918" y="2089235"/>
-        <a:ext cx="1927459" cy="1729999"/>
+        <a:off x="4115298" y="2075065"/>
+        <a:ext cx="2057649" cy="1846851"/>
       </dsp:txXfrm>
     </dsp:sp>
   </dsp:spTree>
@@ -4449,7 +4478,7 @@
           <a:p>
             <a:fld id="{8F95CBA7-D196-41FC-9E46-64BF000A7932}" type="datetimeFigureOut">
               <a:rPr lang="zh-TW" altLang="en-US" smtClean="0"/>
-              <a:t>2022/11/15</a:t>
+              <a:t>2022/11/16</a:t>
             </a:fld>
             <a:endParaRPr lang="zh-TW" altLang="en-US"/>
           </a:p>
@@ -4664,7 +4693,7 @@
             <a:fld id="{899A2414-F3B7-49E8-9C05-649A95BB42B2}" type="datetimeFigureOut">
               <a:rPr lang="zh-TW" altLang="en-US" smtClean="0"/>
               <a:pPr/>
-              <a:t>2022/11/15</a:t>
+              <a:t>2022/11/16</a:t>
             </a:fld>
             <a:endParaRPr lang="zh-TW" altLang="en-US"/>
           </a:p>
@@ -4836,7 +4865,7 @@
             <a:fld id="{899A2414-F3B7-49E8-9C05-649A95BB42B2}" type="datetimeFigureOut">
               <a:rPr lang="zh-TW" altLang="en-US" smtClean="0"/>
               <a:pPr/>
-              <a:t>2022/11/15</a:t>
+              <a:t>2022/11/16</a:t>
             </a:fld>
             <a:endParaRPr lang="zh-TW" altLang="en-US"/>
           </a:p>
@@ -5018,7 +5047,7 @@
             <a:fld id="{899A2414-F3B7-49E8-9C05-649A95BB42B2}" type="datetimeFigureOut">
               <a:rPr lang="zh-TW" altLang="en-US" smtClean="0"/>
               <a:pPr/>
-              <a:t>2022/11/15</a:t>
+              <a:t>2022/11/16</a:t>
             </a:fld>
             <a:endParaRPr lang="zh-TW" altLang="en-US"/>
           </a:p>
@@ -5419,7 +5448,7 @@
             <a:fld id="{899A2414-F3B7-49E8-9C05-649A95BB42B2}" type="datetimeFigureOut">
               <a:rPr lang="zh-TW" altLang="en-US" smtClean="0"/>
               <a:pPr/>
-              <a:t>2022/11/15</a:t>
+              <a:t>2022/11/16</a:t>
             </a:fld>
             <a:endParaRPr lang="zh-TW" altLang="en-US"/>
           </a:p>
@@ -5653,7 +5682,7 @@
             <a:fld id="{899A2414-F3B7-49E8-9C05-649A95BB42B2}" type="datetimeFigureOut">
               <a:rPr lang="zh-TW" altLang="en-US" smtClean="0"/>
               <a:pPr/>
-              <a:t>2022/11/15</a:t>
+              <a:t>2022/11/16</a:t>
             </a:fld>
             <a:endParaRPr lang="zh-TW" altLang="en-US"/>
           </a:p>
@@ -6022,7 +6051,7 @@
             <a:fld id="{899A2414-F3B7-49E8-9C05-649A95BB42B2}" type="datetimeFigureOut">
               <a:rPr lang="zh-TW" altLang="en-US" smtClean="0"/>
               <a:pPr/>
-              <a:t>2022/11/15</a:t>
+              <a:t>2022/11/16</a:t>
             </a:fld>
             <a:endParaRPr lang="zh-TW" altLang="en-US"/>
           </a:p>
@@ -6142,7 +6171,7 @@
             <a:fld id="{899A2414-F3B7-49E8-9C05-649A95BB42B2}" type="datetimeFigureOut">
               <a:rPr lang="zh-TW" altLang="en-US" smtClean="0"/>
               <a:pPr/>
-              <a:t>2022/11/15</a:t>
+              <a:t>2022/11/16</a:t>
             </a:fld>
             <a:endParaRPr lang="zh-TW" altLang="en-US"/>
           </a:p>
@@ -6239,7 +6268,7 @@
             <a:fld id="{899A2414-F3B7-49E8-9C05-649A95BB42B2}" type="datetimeFigureOut">
               <a:rPr lang="zh-TW" altLang="en-US" smtClean="0"/>
               <a:pPr/>
-              <a:t>2022/11/15</a:t>
+              <a:t>2022/11/16</a:t>
             </a:fld>
             <a:endParaRPr lang="zh-TW" altLang="en-US"/>
           </a:p>
@@ -6518,7 +6547,7 @@
             <a:fld id="{899A2414-F3B7-49E8-9C05-649A95BB42B2}" type="datetimeFigureOut">
               <a:rPr lang="zh-TW" altLang="en-US" smtClean="0"/>
               <a:pPr/>
-              <a:t>2022/11/15</a:t>
+              <a:t>2022/11/16</a:t>
             </a:fld>
             <a:endParaRPr lang="zh-TW" altLang="en-US"/>
           </a:p>
@@ -6777,7 +6806,7 @@
             <a:fld id="{899A2414-F3B7-49E8-9C05-649A95BB42B2}" type="datetimeFigureOut">
               <a:rPr lang="zh-TW" altLang="en-US" smtClean="0"/>
               <a:pPr/>
-              <a:t>2022/11/15</a:t>
+              <a:t>2022/11/16</a:t>
             </a:fld>
             <a:endParaRPr lang="zh-TW" altLang="en-US"/>
           </a:p>
@@ -6992,7 +7021,7 @@
             <a:fld id="{899A2414-F3B7-49E8-9C05-649A95BB42B2}" type="datetimeFigureOut">
               <a:rPr lang="zh-TW" altLang="en-US" smtClean="0"/>
               <a:pPr/>
-              <a:t>2022/11/15</a:t>
+              <a:t>2022/11/16</a:t>
             </a:fld>
             <a:endParaRPr lang="zh-TW" altLang="en-US"/>
           </a:p>
@@ -7669,6 +7698,244 @@
         </p:nvSpPr>
         <p:spPr/>
         <p:txBody>
+          <a:bodyPr vert="horz" lIns="91440" tIns="45720" rIns="91440" bIns="45720" rtlCol="0" anchor="ctr">
+            <a:normAutofit/>
+          </a:bodyPr>
+          <a:lstStyle/>
+          <a:p>
+            <a:r>
+              <a:rPr lang="zh-TW" altLang="en-US" b="1" dirty="0">
+                <a:solidFill>
+                  <a:srgbClr val="C00000"/>
+                </a:solidFill>
+                <a:latin typeface="Times New Roman" panose="02020603050405020304" pitchFamily="18" charset="0"/>
+                <a:ea typeface="微軟正黑體" panose="020B0604030504040204" pitchFamily="34" charset="-120"/>
+              </a:rPr>
+              <a:t>三、執行環境</a:t>
+            </a:r>
+            <a:r>
+              <a:rPr lang="en-US" altLang="zh-TW" b="1" dirty="0">
+                <a:solidFill>
+                  <a:srgbClr val="C00000"/>
+                </a:solidFill>
+                <a:latin typeface="Times New Roman" panose="02020603050405020304" pitchFamily="18" charset="0"/>
+                <a:ea typeface="微軟正黑體" panose="020B0604030504040204" pitchFamily="34" charset="-120"/>
+              </a:rPr>
+              <a:t>/</a:t>
+            </a:r>
+            <a:r>
+              <a:rPr lang="zh-TW" altLang="en-US" b="1" dirty="0">
+                <a:solidFill>
+                  <a:srgbClr val="C00000"/>
+                </a:solidFill>
+                <a:latin typeface="Times New Roman" panose="02020603050405020304" pitchFamily="18" charset="0"/>
+                <a:ea typeface="微軟正黑體" panose="020B0604030504040204" pitchFamily="34" charset="-120"/>
+              </a:rPr>
+              <a:t>套裝選擇</a:t>
+            </a:r>
+            <a:r>
+              <a:rPr lang="en-US" altLang="zh-TW" b="1" dirty="0">
+                <a:solidFill>
+                  <a:srgbClr val="C00000"/>
+                </a:solidFill>
+                <a:latin typeface="Times New Roman" panose="02020603050405020304" pitchFamily="18" charset="0"/>
+                <a:ea typeface="微軟正黑體" panose="020B0604030504040204" pitchFamily="34" charset="-120"/>
+              </a:rPr>
+              <a:t>/</a:t>
+            </a:r>
+            <a:r>
+              <a:rPr lang="zh-TW" altLang="en-US" b="1" dirty="0">
+                <a:solidFill>
+                  <a:srgbClr val="C00000"/>
+                </a:solidFill>
+                <a:latin typeface="Times New Roman" panose="02020603050405020304" pitchFamily="18" charset="0"/>
+                <a:ea typeface="微軟正黑體" panose="020B0604030504040204" pitchFamily="34" charset="-120"/>
+              </a:rPr>
+              <a:t>執行方式 </a:t>
+            </a:r>
+          </a:p>
+        </p:txBody>
+      </p:sp>
+      <p:sp>
+        <p:nvSpPr>
+          <p:cNvPr id="3" name="內容版面配置區 2"/>
+          <p:cNvSpPr>
+            <a:spLocks noGrp="1"/>
+          </p:cNvSpPr>
+          <p:nvPr>
+            <p:ph idx="1"/>
+          </p:nvPr>
+        </p:nvSpPr>
+        <p:spPr/>
+        <p:txBody>
+          <a:bodyPr>
+            <a:normAutofit/>
+          </a:bodyPr>
+          <a:lstStyle/>
+          <a:p>
+            <a:r>
+              <a:rPr lang="zh-TW" altLang="en-US" sz="1800" dirty="0"/>
+              <a:t>執行環境：</a:t>
+            </a:r>
+            <a:r>
+              <a:rPr lang="en-US" altLang="zh-TW" sz="1800" dirty="0" err="1"/>
+              <a:t>tensorflow_keras</a:t>
+            </a:r>
+            <a:endParaRPr lang="en-US" altLang="zh-TW" sz="1800" dirty="0"/>
+          </a:p>
+          <a:p>
+            <a:endParaRPr lang="en-US" altLang="zh-TW" sz="1800" dirty="0"/>
+          </a:p>
+          <a:p>
+            <a:r>
+              <a:rPr lang="zh-TW" altLang="en-US" sz="1800" dirty="0"/>
+              <a:t>套裝選擇：</a:t>
+            </a:r>
+            <a:endParaRPr lang="en-US" altLang="zh-TW" sz="1800" dirty="0"/>
+          </a:p>
+          <a:p>
+            <a:pPr lvl="1"/>
+            <a:r>
+              <a:rPr lang="zh-TW" altLang="en-US" sz="1400" dirty="0"/>
+              <a:t>資料前處理：</a:t>
+            </a:r>
+            <a:r>
+              <a:rPr lang="en-US" altLang="zh-TW" sz="1400" dirty="0" err="1"/>
+              <a:t>numpy</a:t>
+            </a:r>
+            <a:r>
+              <a:rPr lang="zh-TW" altLang="en-US" sz="1400" dirty="0"/>
+              <a:t>、</a:t>
+            </a:r>
+            <a:r>
+              <a:rPr lang="en-US" altLang="zh-TW" sz="1400" dirty="0"/>
+              <a:t>pandas</a:t>
+            </a:r>
+          </a:p>
+          <a:p>
+            <a:pPr lvl="1"/>
+            <a:r>
+              <a:rPr lang="zh-TW" altLang="en-US" sz="1400" dirty="0"/>
+              <a:t>模型訓練：</a:t>
+            </a:r>
+            <a:r>
+              <a:rPr lang="en-US" altLang="zh-TW" sz="1400" dirty="0" err="1"/>
+              <a:t>tensorflow</a:t>
+            </a:r>
+            <a:r>
+              <a:rPr lang="zh-TW" altLang="en-US" sz="1400" dirty="0"/>
+              <a:t>、</a:t>
+            </a:r>
+            <a:r>
+              <a:rPr lang="en-US" altLang="zh-TW" sz="1400" dirty="0" err="1"/>
+              <a:t>sklearn</a:t>
+            </a:r>
+            <a:r>
+              <a:rPr lang="zh-TW" altLang="en-US" sz="1400" dirty="0"/>
+              <a:t>、</a:t>
+            </a:r>
+            <a:r>
+              <a:rPr lang="en-US" altLang="zh-TW" sz="1400" dirty="0" err="1"/>
+              <a:t>keras</a:t>
+            </a:r>
+            <a:endParaRPr lang="en-US" altLang="zh-TW" sz="1400" dirty="0"/>
+          </a:p>
+          <a:p>
+            <a:pPr lvl="1"/>
+            <a:r>
+              <a:rPr lang="zh-TW" altLang="en-US" sz="1400" dirty="0"/>
+              <a:t>其他：</a:t>
+            </a:r>
+            <a:r>
+              <a:rPr lang="en-US" altLang="zh-TW" sz="1400" dirty="0"/>
+              <a:t>copy</a:t>
+            </a:r>
+            <a:r>
+              <a:rPr lang="zh-TW" altLang="en-US" sz="1400" dirty="0"/>
+              <a:t>、</a:t>
+            </a:r>
+            <a:r>
+              <a:rPr lang="en-US" altLang="zh-TW" sz="1400" dirty="0" err="1"/>
+              <a:t>os</a:t>
+            </a:r>
+            <a:endParaRPr lang="en-US" altLang="zh-TW" sz="1400" dirty="0"/>
+          </a:p>
+          <a:p>
+            <a:endParaRPr lang="en-US" altLang="zh-TW" sz="1800" dirty="0"/>
+          </a:p>
+          <a:p>
+            <a:r>
+              <a:rPr lang="zh-TW" altLang="en-US" sz="1800" dirty="0"/>
+              <a:t>執行方式：</a:t>
+            </a:r>
+          </a:p>
+        </p:txBody>
+      </p:sp>
+      <p:graphicFrame>
+        <p:nvGraphicFramePr>
+          <p:cNvPr id="5" name="資料庫圖表 4">
+            <a:extLst>
+              <a:ext uri="{FF2B5EF4-FFF2-40B4-BE49-F238E27FC236}">
+                <a16:creationId xmlns:a16="http://schemas.microsoft.com/office/drawing/2014/main" id="{3DF45435-1E47-B7F1-A995-CFC0574FCE2D}"/>
+              </a:ext>
+            </a:extLst>
+          </p:cNvPr>
+          <p:cNvGraphicFramePr/>
+          <p:nvPr>
+            <p:extLst>
+              <p:ext uri="{D42A27DB-BD31-4B8C-83A1-F6EECF244321}">
+                <p14:modId xmlns:p14="http://schemas.microsoft.com/office/powerpoint/2010/main" val="1303430852"/>
+              </p:ext>
+            </p:extLst>
+          </p:nvPr>
+        </p:nvGraphicFramePr>
+        <p:xfrm>
+          <a:off x="2817004" y="2868288"/>
+          <a:ext cx="6680679" cy="4598048"/>
+        </p:xfrm>
+        <a:graphic>
+          <a:graphicData uri="http://schemas.openxmlformats.org/drawingml/2006/diagram">
+            <dgm:relIds xmlns:dgm="http://schemas.openxmlformats.org/drawingml/2006/diagram" xmlns:r="http://schemas.openxmlformats.org/officeDocument/2006/relationships" r:dm="rId2" r:lo="rId3" r:qs="rId4" r:cs="rId5"/>
+          </a:graphicData>
+        </a:graphic>
+      </p:graphicFrame>
+    </p:spTree>
+  </p:cSld>
+  <p:clrMapOvr>
+    <a:masterClrMapping/>
+  </p:clrMapOvr>
+</p:sld>
+</file>
+
+<file path=ppt/slides/slide11.xml><?xml version="1.0" encoding="utf-8"?>
+<p:sld xmlns:a="http://schemas.openxmlformats.org/drawingml/2006/main" xmlns:r="http://schemas.openxmlformats.org/officeDocument/2006/relationships" xmlns:p="http://schemas.openxmlformats.org/presentationml/2006/main">
+  <p:cSld>
+    <p:spTree>
+      <p:nvGrpSpPr>
+        <p:cNvPr id="1" name=""/>
+        <p:cNvGrpSpPr/>
+        <p:nvPr/>
+      </p:nvGrpSpPr>
+      <p:grpSpPr>
+        <a:xfrm>
+          <a:off x="0" y="0"/>
+          <a:ext cx="0" cy="0"/>
+          <a:chOff x="0" y="0"/>
+          <a:chExt cx="0" cy="0"/>
+        </a:xfrm>
+      </p:grpSpPr>
+      <p:sp>
+        <p:nvSpPr>
+          <p:cNvPr id="2" name="標題 1"/>
+          <p:cNvSpPr>
+            <a:spLocks noGrp="1"/>
+          </p:cNvSpPr>
+          <p:nvPr>
+            <p:ph type="title"/>
+          </p:nvPr>
+        </p:nvSpPr>
+        <p:spPr/>
+        <p:txBody>
           <a:bodyPr>
             <a:normAutofit/>
           </a:bodyPr>
@@ -7676,21 +7943,8 @@
           <a:p>
             <a:r>
               <a:rPr lang="zh-TW" altLang="en-US" dirty="0"/>
-              <a:t>四、補充說明</a:t>
+              <a:t>四、改善方向</a:t>
             </a:r>
-            <a:r>
-              <a:rPr lang="en-US" altLang="zh-TW" dirty="0"/>
-              <a:t>(</a:t>
-            </a:r>
-            <a:r>
-              <a:rPr lang="zh-TW" altLang="en-US" dirty="0"/>
-              <a:t>或自行定義項目</a:t>
-            </a:r>
-            <a:r>
-              <a:rPr lang="en-US" altLang="zh-TW" dirty="0"/>
-              <a:t>)</a:t>
-            </a:r>
-            <a:endParaRPr lang="zh-TW" altLang="en-US" dirty="0"/>
           </a:p>
         </p:txBody>
       </p:sp>
@@ -7709,7 +7963,20 @@
           <a:bodyPr/>
           <a:lstStyle/>
           <a:p>
-            <a:endParaRPr lang="zh-TW" altLang="en-US"/>
+            <a:r>
+              <a:rPr lang="zh-TW" altLang="en-US" dirty="0"/>
+              <a:t>程式碼最佳化</a:t>
+            </a:r>
+            <a:endParaRPr lang="en-US" altLang="zh-TW" dirty="0"/>
+          </a:p>
+          <a:p>
+            <a:endParaRPr lang="en-US" altLang="zh-TW" dirty="0"/>
+          </a:p>
+          <a:p>
+            <a:r>
+              <a:rPr lang="zh-TW" altLang="en-US" dirty="0"/>
+              <a:t>建立更多特徵</a:t>
+            </a:r>
           </a:p>
         </p:txBody>
       </p:sp>
@@ -22125,15 +22392,15 @@
             </a:r>
             <a:r>
               <a:rPr lang="zh-TW" altLang="en-US" sz="1800" dirty="0"/>
-              <a:t>特徵，得出</a:t>
+              <a:t>特徵，得出經前處理後的</a:t>
             </a:r>
             <a:r>
-              <a:rPr lang="en-US" altLang="zh-TW" sz="1800" dirty="0"/>
-              <a:t>sg B</a:t>
+              <a:rPr lang="en-US" altLang="zh-TW" sz="1800" dirty="0" err="1"/>
+              <a:t>sg_B</a:t>
             </a:r>
             <a:r>
               <a:rPr lang="zh-TW" altLang="en-US" sz="1800" dirty="0"/>
-              <a:t>特徵絕對值在</a:t>
+              <a:t>絕對值在</a:t>
             </a:r>
             <a:r>
               <a:rPr lang="en-US" altLang="zh-TW" sz="1800" dirty="0"/>
@@ -22149,7 +22416,7 @@
             </a:r>
             <a:r>
               <a:rPr lang="zh-TW" altLang="en-US" sz="1800" dirty="0"/>
-              <a:t>間是可能的雜訊</a:t>
+              <a:t>外是可能的雜訊</a:t>
             </a:r>
             <a:endParaRPr lang="en-US" altLang="zh-TW" sz="1800" dirty="0"/>
           </a:p>
@@ -22160,102 +22427,6 @@
             <a:endParaRPr lang="en-US" altLang="zh-TW" sz="1800" dirty="0"/>
           </a:p>
           <a:p>
-            <a:endParaRPr lang="en-US" altLang="zh-TW" sz="1800" dirty="0"/>
-          </a:p>
-          <a:p>
-            <a:endParaRPr lang="en-US" altLang="zh-TW" sz="1800" dirty="0"/>
-          </a:p>
-          <a:p>
-            <a:endParaRPr lang="en-US" altLang="zh-TW" sz="1800" dirty="0"/>
-          </a:p>
-          <a:p>
-            <a:r>
-              <a:rPr lang="zh-TW" altLang="en-US" sz="1800" dirty="0"/>
-              <a:t>觀察得出下列</a:t>
-            </a:r>
-            <a:r>
-              <a:rPr lang="en-US" altLang="zh-TW" sz="1800" dirty="0" err="1"/>
-              <a:t>n_spike</a:t>
-            </a:r>
-            <a:r>
-              <a:rPr lang="zh-TW" altLang="en-US" sz="1800" dirty="0"/>
-              <a:t>的特徵與磨耗最大值相關係數較高。</a:t>
-            </a:r>
-            <a:endParaRPr lang="en-US" altLang="zh-TW" sz="1800" dirty="0"/>
-          </a:p>
-          <a:p>
-            <a:pPr lvl="1"/>
-            <a:r>
-              <a:rPr lang="en-US" altLang="zh-TW" sz="1400" dirty="0"/>
-              <a:t>B</a:t>
-            </a:r>
-            <a:r>
-              <a:rPr lang="zh-TW" altLang="en-US" sz="1400" dirty="0"/>
-              <a:t>總位移</a:t>
-            </a:r>
-            <a:endParaRPr lang="en-US" altLang="zh-TW" sz="1400" dirty="0"/>
-          </a:p>
-          <a:p>
-            <a:pPr lvl="1"/>
-            <a:r>
-              <a:rPr lang="en-US" altLang="zh-TW" sz="1400" dirty="0"/>
-              <a:t>C</a:t>
-            </a:r>
-            <a:r>
-              <a:rPr lang="zh-TW" altLang="en-US" sz="1400" dirty="0"/>
-              <a:t>總位移</a:t>
-            </a:r>
-            <a:endParaRPr lang="en-US" altLang="zh-TW" sz="1400" dirty="0"/>
-          </a:p>
-          <a:p>
-            <a:pPr lvl="1"/>
-            <a:r>
-              <a:rPr lang="en-US" altLang="zh-TW" sz="1400" dirty="0"/>
-              <a:t>D</a:t>
-            </a:r>
-            <a:r>
-              <a:rPr lang="zh-TW" altLang="en-US" sz="1400" dirty="0"/>
-              <a:t>總位移</a:t>
-            </a:r>
-            <a:endParaRPr lang="en-US" altLang="zh-TW" sz="1400" dirty="0"/>
-          </a:p>
-          <a:p>
-            <a:pPr lvl="1"/>
-            <a:r>
-              <a:rPr lang="en-US" altLang="zh-TW" sz="1400" dirty="0"/>
-              <a:t>B</a:t>
-            </a:r>
-            <a:r>
-              <a:rPr lang="zh-TW" altLang="en-US" sz="1400" dirty="0"/>
-              <a:t>低雜訊總位移</a:t>
-            </a:r>
-            <a:endParaRPr lang="en-US" altLang="zh-TW" sz="1400" dirty="0"/>
-          </a:p>
-          <a:p>
-            <a:pPr lvl="1"/>
-            <a:r>
-              <a:rPr lang="en-US" altLang="zh-TW" sz="1400" dirty="0"/>
-              <a:t>C</a:t>
-            </a:r>
-            <a:r>
-              <a:rPr lang="zh-TW" altLang="en-US" sz="1400" dirty="0"/>
-              <a:t>低雜訊總位移</a:t>
-            </a:r>
-            <a:endParaRPr lang="en-US" altLang="zh-TW" sz="1400" dirty="0"/>
-          </a:p>
-          <a:p>
-            <a:r>
-              <a:rPr lang="zh-TW" altLang="en-US" sz="1800" dirty="0"/>
-              <a:t>獲得</a:t>
-            </a:r>
-            <a:r>
-              <a:rPr lang="en-US" altLang="zh-TW" sz="1800" dirty="0"/>
-              <a:t>shape(70, 5)</a:t>
-            </a:r>
-            <a:r>
-              <a:rPr lang="zh-TW" altLang="en-US" sz="1800" dirty="0"/>
-              <a:t>的特徵輸入</a:t>
-            </a:r>
             <a:endParaRPr lang="en-US" altLang="zh-TW" sz="1800" dirty="0"/>
           </a:p>
           <a:p>
@@ -23418,6 +23589,88 @@
           </a:graphicData>
         </a:graphic>
       </p:graphicFrame>
+      <p:pic>
+        <p:nvPicPr>
+          <p:cNvPr id="61" name="圖片 60">
+            <a:extLst>
+              <a:ext uri="{FF2B5EF4-FFF2-40B4-BE49-F238E27FC236}">
+                <a16:creationId xmlns:a16="http://schemas.microsoft.com/office/drawing/2014/main" id="{6061F6BB-EBAE-9F86-5D5A-5A697E8D785A}"/>
+              </a:ext>
+            </a:extLst>
+          </p:cNvPr>
+          <p:cNvPicPr>
+            <a:picLocks noChangeAspect="1"/>
+          </p:cNvPicPr>
+          <p:nvPr/>
+        </p:nvPicPr>
+        <p:blipFill>
+          <a:blip r:embed="rId2">
+            <a:extLst>
+              <a:ext uri="{28A0092B-C50C-407E-A947-70E740481C1C}">
+                <a14:useLocalDpi xmlns:a14="http://schemas.microsoft.com/office/drawing/2010/main" val="0"/>
+              </a:ext>
+            </a:extLst>
+          </a:blip>
+          <a:stretch>
+            <a:fillRect/>
+          </a:stretch>
+        </p:blipFill>
+        <p:spPr>
+          <a:xfrm>
+            <a:off x="3174521" y="3653072"/>
+            <a:ext cx="5417389" cy="2409478"/>
+          </a:xfrm>
+          <a:prstGeom prst="rect">
+            <a:avLst/>
+          </a:prstGeom>
+        </p:spPr>
+      </p:pic>
+      <p:sp>
+        <p:nvSpPr>
+          <p:cNvPr id="62" name="文字方塊 61">
+            <a:extLst>
+              <a:ext uri="{FF2B5EF4-FFF2-40B4-BE49-F238E27FC236}">
+                <a16:creationId xmlns:a16="http://schemas.microsoft.com/office/drawing/2014/main" id="{D9CFEF71-B86D-9251-4AAE-1A37A8C7D90E}"/>
+              </a:ext>
+            </a:extLst>
+          </p:cNvPr>
+          <p:cNvSpPr txBox="1"/>
+          <p:nvPr/>
+        </p:nvSpPr>
+        <p:spPr>
+          <a:xfrm>
+            <a:off x="6564703" y="5939439"/>
+            <a:ext cx="2027207" cy="246221"/>
+          </a:xfrm>
+          <a:prstGeom prst="rect">
+            <a:avLst/>
+          </a:prstGeom>
+          <a:noFill/>
+        </p:spPr>
+        <p:txBody>
+          <a:bodyPr wrap="square" rtlCol="0">
+            <a:spAutoFit/>
+          </a:bodyPr>
+          <a:lstStyle/>
+          <a:p>
+            <a:pPr algn="ctr"/>
+            <a:r>
+              <a:rPr lang="en-US" altLang="zh-TW" sz="1000" b="1" dirty="0">
+                <a:latin typeface="微軟正黑體" panose="020B0604030504040204" pitchFamily="34" charset="-120"/>
+                <a:ea typeface="微軟正黑體" panose="020B0604030504040204" pitchFamily="34" charset="-120"/>
+              </a:rPr>
+              <a:t>*</a:t>
+            </a:r>
+            <a:r>
+              <a:rPr lang="zh-TW" altLang="en-US" sz="1000" b="1" dirty="0">
+                <a:latin typeface="微軟正黑體" panose="020B0604030504040204" pitchFamily="34" charset="-120"/>
+                <a:ea typeface="微軟正黑體" panose="020B0604030504040204" pitchFamily="34" charset="-120"/>
+              </a:rPr>
+              <a:t>示意圖僅供參考</a:t>
+            </a:r>
+          </a:p>
+        </p:txBody>
+      </p:sp>
     </p:spTree>
     <p:extLst>
       <p:ext uri="{BB962C8B-B14F-4D97-AF65-F5344CB8AC3E}">
@@ -23432,6 +23685,261 @@
 </file>
 
 <file path=ppt/slides/slide8.xml><?xml version="1.0" encoding="utf-8"?>
+<p:sld xmlns:a="http://schemas.openxmlformats.org/drawingml/2006/main" xmlns:r="http://schemas.openxmlformats.org/officeDocument/2006/relationships" xmlns:p="http://schemas.openxmlformats.org/presentationml/2006/main">
+  <p:cSld>
+    <p:spTree>
+      <p:nvGrpSpPr>
+        <p:cNvPr id="1" name=""/>
+        <p:cNvGrpSpPr/>
+        <p:nvPr/>
+      </p:nvGrpSpPr>
+      <p:grpSpPr>
+        <a:xfrm>
+          <a:off x="0" y="0"/>
+          <a:ext cx="0" cy="0"/>
+          <a:chOff x="0" y="0"/>
+          <a:chExt cx="0" cy="0"/>
+        </a:xfrm>
+      </p:grpSpPr>
+      <p:sp>
+        <p:nvSpPr>
+          <p:cNvPr id="2" name="標題 1"/>
+          <p:cNvSpPr>
+            <a:spLocks noGrp="1"/>
+          </p:cNvSpPr>
+          <p:nvPr>
+            <p:ph type="title"/>
+          </p:nvPr>
+        </p:nvSpPr>
+        <p:spPr/>
+        <p:txBody>
+          <a:bodyPr>
+            <a:normAutofit/>
+          </a:bodyPr>
+          <a:lstStyle/>
+          <a:p>
+            <a:r>
+              <a:rPr lang="zh-TW" altLang="en-US" b="1" dirty="0">
+                <a:solidFill>
+                  <a:srgbClr val="C00000"/>
+                </a:solidFill>
+              </a:rPr>
+              <a:t>一、</a:t>
+            </a:r>
+            <a:r>
+              <a:rPr lang="zh-TW" altLang="zh-TW" b="1" dirty="0">
+                <a:solidFill>
+                  <a:srgbClr val="C00000"/>
+                </a:solidFill>
+                <a:cs typeface="Arial" panose="020B0604020202020204" pitchFamily="34" charset="0"/>
+              </a:rPr>
+              <a:t>資料前處理</a:t>
+            </a:r>
+            <a:endParaRPr lang="zh-TW" altLang="en-US" b="1" dirty="0">
+              <a:solidFill>
+                <a:srgbClr val="C00000"/>
+              </a:solidFill>
+            </a:endParaRPr>
+          </a:p>
+        </p:txBody>
+      </p:sp>
+      <p:sp>
+        <p:nvSpPr>
+          <p:cNvPr id="3" name="內容版面配置區 2"/>
+          <p:cNvSpPr>
+            <a:spLocks noGrp="1"/>
+          </p:cNvSpPr>
+          <p:nvPr>
+            <p:ph idx="1"/>
+          </p:nvPr>
+        </p:nvSpPr>
+        <p:spPr/>
+        <p:txBody>
+          <a:bodyPr>
+            <a:normAutofit/>
+          </a:bodyPr>
+          <a:lstStyle/>
+          <a:p>
+            <a:r>
+              <a:rPr lang="zh-TW" altLang="en-US" sz="2400" dirty="0"/>
+              <a:t>觀察得出下列特徵與磨耗最大值相關係數較高</a:t>
+            </a:r>
+            <a:endParaRPr lang="en-US" altLang="zh-TW" sz="2400" dirty="0"/>
+          </a:p>
+          <a:p>
+            <a:pPr lvl="1"/>
+            <a:r>
+              <a:rPr lang="en-US" altLang="zh-TW" sz="1800" dirty="0" err="1"/>
+              <a:t>n_spike_B</a:t>
+            </a:r>
+            <a:r>
+              <a:rPr lang="zh-TW" altLang="en-US" sz="1800" dirty="0"/>
+              <a:t>總位移</a:t>
+            </a:r>
+            <a:endParaRPr lang="en-US" altLang="zh-TW" sz="1800" dirty="0"/>
+          </a:p>
+          <a:p>
+            <a:pPr lvl="1"/>
+            <a:r>
+              <a:rPr lang="en-US" altLang="zh-TW" sz="1800" dirty="0" err="1"/>
+              <a:t>n_spike</a:t>
+            </a:r>
+            <a:r>
+              <a:rPr lang="en-US" altLang="zh-TW" sz="1800" dirty="0"/>
+              <a:t>_ C</a:t>
+            </a:r>
+            <a:r>
+              <a:rPr lang="zh-TW" altLang="en-US" sz="1800" dirty="0"/>
+              <a:t>總位移</a:t>
+            </a:r>
+            <a:endParaRPr lang="en-US" altLang="zh-TW" sz="1800" dirty="0"/>
+          </a:p>
+          <a:p>
+            <a:pPr lvl="1"/>
+            <a:r>
+              <a:rPr lang="en-US" altLang="zh-TW" sz="1800" dirty="0" err="1"/>
+              <a:t>n_spike</a:t>
+            </a:r>
+            <a:r>
+              <a:rPr lang="en-US" altLang="zh-TW" sz="1800" dirty="0"/>
+              <a:t>_ D</a:t>
+            </a:r>
+            <a:r>
+              <a:rPr lang="zh-TW" altLang="en-US" sz="1800" dirty="0"/>
+              <a:t>總位移</a:t>
+            </a:r>
+            <a:endParaRPr lang="en-US" altLang="zh-TW" sz="1800" dirty="0"/>
+          </a:p>
+          <a:p>
+            <a:pPr lvl="1"/>
+            <a:r>
+              <a:rPr lang="en-US" altLang="zh-TW" sz="1800" dirty="0" err="1"/>
+              <a:t>n_spike</a:t>
+            </a:r>
+            <a:r>
+              <a:rPr lang="en-US" altLang="zh-TW" sz="1800" dirty="0"/>
+              <a:t>_ B</a:t>
+            </a:r>
+            <a:r>
+              <a:rPr lang="zh-TW" altLang="en-US" sz="1800" dirty="0"/>
+              <a:t>低雜訊總位移</a:t>
+            </a:r>
+            <a:endParaRPr lang="en-US" altLang="zh-TW" sz="1800" dirty="0"/>
+          </a:p>
+          <a:p>
+            <a:pPr lvl="1"/>
+            <a:r>
+              <a:rPr lang="en-US" altLang="zh-TW" sz="1800" dirty="0" err="1"/>
+              <a:t>n_spike</a:t>
+            </a:r>
+            <a:r>
+              <a:rPr lang="en-US" altLang="zh-TW" sz="1800" dirty="0"/>
+              <a:t>_ C</a:t>
+            </a:r>
+            <a:r>
+              <a:rPr lang="zh-TW" altLang="en-US" sz="1800" dirty="0"/>
+              <a:t>低雜訊總位移</a:t>
+            </a:r>
+            <a:endParaRPr lang="en-US" altLang="zh-TW" sz="1800" dirty="0"/>
+          </a:p>
+          <a:p>
+            <a:pPr lvl="1"/>
+            <a:r>
+              <a:rPr lang="en-US" altLang="zh-TW" sz="1800" dirty="0" err="1"/>
+              <a:t>n_sg_B</a:t>
+            </a:r>
+            <a:r>
+              <a:rPr lang="zh-TW" altLang="en-US" sz="1800" dirty="0"/>
+              <a:t>與</a:t>
+            </a:r>
+            <a:r>
+              <a:rPr lang="en-US" altLang="zh-TW" sz="1800" dirty="0" err="1"/>
+              <a:t>n_spike_B</a:t>
+            </a:r>
+            <a:r>
+              <a:rPr lang="zh-TW" altLang="en-US" sz="1800" dirty="0"/>
+              <a:t>相減總位移</a:t>
+            </a:r>
+            <a:endParaRPr lang="en-US" altLang="zh-TW" sz="1800" dirty="0"/>
+          </a:p>
+          <a:p>
+            <a:pPr lvl="1"/>
+            <a:r>
+              <a:rPr lang="en-US" altLang="zh-TW" sz="1800" dirty="0" err="1"/>
+              <a:t>n_sg_D</a:t>
+            </a:r>
+            <a:r>
+              <a:rPr lang="zh-TW" altLang="en-US" sz="1800" dirty="0"/>
+              <a:t>與</a:t>
+            </a:r>
+            <a:r>
+              <a:rPr lang="en-US" altLang="zh-TW" sz="1800" dirty="0" err="1"/>
+              <a:t>n_spike_C</a:t>
+            </a:r>
+            <a:r>
+              <a:rPr lang="zh-TW" altLang="en-US" sz="1800" dirty="0"/>
+              <a:t>相減總位移</a:t>
+            </a:r>
+            <a:endParaRPr lang="en-US" altLang="zh-TW" sz="1800" dirty="0"/>
+          </a:p>
+          <a:p>
+            <a:pPr lvl="1"/>
+            <a:r>
+              <a:rPr lang="en-US" altLang="zh-TW" sz="1800" dirty="0" err="1"/>
+              <a:t>n_sg_F</a:t>
+            </a:r>
+            <a:r>
+              <a:rPr lang="zh-TW" altLang="en-US" sz="1800" dirty="0"/>
+              <a:t>與</a:t>
+            </a:r>
+            <a:r>
+              <a:rPr lang="en-US" altLang="zh-TW" sz="1800" dirty="0" err="1"/>
+              <a:t>n_spike_D</a:t>
+            </a:r>
+            <a:r>
+              <a:rPr lang="zh-TW" altLang="en-US" sz="1800" dirty="0"/>
+              <a:t>相減總位移</a:t>
+            </a:r>
+            <a:endParaRPr lang="en-US" altLang="zh-TW" sz="1800" dirty="0"/>
+          </a:p>
+          <a:p>
+            <a:pPr lvl="1"/>
+            <a:endParaRPr lang="en-US" altLang="zh-TW" sz="1800" dirty="0"/>
+          </a:p>
+          <a:p>
+            <a:r>
+              <a:rPr lang="zh-TW" altLang="en-US" sz="2400" dirty="0"/>
+              <a:t>獲得</a:t>
+            </a:r>
+            <a:r>
+              <a:rPr lang="en-US" altLang="zh-TW" sz="2400" dirty="0"/>
+              <a:t>shape(70, 8)</a:t>
+            </a:r>
+            <a:r>
+              <a:rPr lang="zh-TW" altLang="en-US" sz="2400" dirty="0"/>
+              <a:t>的特徵輸入</a:t>
+            </a:r>
+            <a:endParaRPr lang="en-US" altLang="zh-TW" sz="2400" dirty="0"/>
+          </a:p>
+          <a:p>
+            <a:endParaRPr lang="zh-TW" altLang="en-US" sz="2400" dirty="0"/>
+          </a:p>
+        </p:txBody>
+      </p:sp>
+    </p:spTree>
+    <p:extLst>
+      <p:ext uri="{BB962C8B-B14F-4D97-AF65-F5344CB8AC3E}">
+        <p14:creationId xmlns:p14="http://schemas.microsoft.com/office/powerpoint/2010/main" val="2359100541"/>
+      </p:ext>
+    </p:extLst>
+  </p:cSld>
+  <p:clrMapOvr>
+    <a:masterClrMapping/>
+  </p:clrMapOvr>
+</p:sld>
+</file>
+
+<file path=ppt/slides/slide9.xml><?xml version="1.0" encoding="utf-8"?>
 <p:sld xmlns:a="http://schemas.openxmlformats.org/drawingml/2006/main" xmlns:r="http://schemas.openxmlformats.org/officeDocument/2006/relationships" xmlns:p="http://schemas.openxmlformats.org/presentationml/2006/main">
   <p:cSld>
     <p:spTree>
@@ -25822,247 +26330,6 @@
         <p14:creationId xmlns:p14="http://schemas.microsoft.com/office/powerpoint/2010/main" val="3939977196"/>
       </p:ext>
     </p:extLst>
-  </p:cSld>
-  <p:clrMapOvr>
-    <a:masterClrMapping/>
-  </p:clrMapOvr>
-</p:sld>
-</file>
-
-<file path=ppt/slides/slide9.xml><?xml version="1.0" encoding="utf-8"?>
-<p:sld xmlns:a="http://schemas.openxmlformats.org/drawingml/2006/main" xmlns:r="http://schemas.openxmlformats.org/officeDocument/2006/relationships" xmlns:p="http://schemas.openxmlformats.org/presentationml/2006/main">
-  <p:cSld>
-    <p:spTree>
-      <p:nvGrpSpPr>
-        <p:cNvPr id="1" name=""/>
-        <p:cNvGrpSpPr/>
-        <p:nvPr/>
-      </p:nvGrpSpPr>
-      <p:grpSpPr>
-        <a:xfrm>
-          <a:off x="0" y="0"/>
-          <a:ext cx="0" cy="0"/>
-          <a:chOff x="0" y="0"/>
-          <a:chExt cx="0" cy="0"/>
-        </a:xfrm>
-      </p:grpSpPr>
-      <p:sp>
-        <p:nvSpPr>
-          <p:cNvPr id="2" name="標題 1"/>
-          <p:cNvSpPr>
-            <a:spLocks noGrp="1"/>
-          </p:cNvSpPr>
-          <p:nvPr>
-            <p:ph type="title"/>
-          </p:nvPr>
-        </p:nvSpPr>
-        <p:spPr/>
-        <p:txBody>
-          <a:bodyPr vert="horz" lIns="91440" tIns="45720" rIns="91440" bIns="45720" rtlCol="0" anchor="ctr">
-            <a:normAutofit/>
-          </a:bodyPr>
-          <a:lstStyle/>
-          <a:p>
-            <a:r>
-              <a:rPr lang="zh-TW" altLang="en-US" b="1" dirty="0">
-                <a:solidFill>
-                  <a:srgbClr val="C00000"/>
-                </a:solidFill>
-                <a:latin typeface="Times New Roman" panose="02020603050405020304" pitchFamily="18" charset="0"/>
-                <a:ea typeface="微軟正黑體" panose="020B0604030504040204" pitchFamily="34" charset="-120"/>
-              </a:rPr>
-              <a:t>三、執行環境</a:t>
-            </a:r>
-            <a:r>
-              <a:rPr lang="en-US" altLang="zh-TW" b="1" dirty="0">
-                <a:solidFill>
-                  <a:srgbClr val="C00000"/>
-                </a:solidFill>
-                <a:latin typeface="Times New Roman" panose="02020603050405020304" pitchFamily="18" charset="0"/>
-                <a:ea typeface="微軟正黑體" panose="020B0604030504040204" pitchFamily="34" charset="-120"/>
-              </a:rPr>
-              <a:t>/</a:t>
-            </a:r>
-            <a:r>
-              <a:rPr lang="zh-TW" altLang="en-US" b="1" dirty="0">
-                <a:solidFill>
-                  <a:srgbClr val="C00000"/>
-                </a:solidFill>
-                <a:latin typeface="Times New Roman" panose="02020603050405020304" pitchFamily="18" charset="0"/>
-                <a:ea typeface="微軟正黑體" panose="020B0604030504040204" pitchFamily="34" charset="-120"/>
-              </a:rPr>
-              <a:t>套裝選擇</a:t>
-            </a:r>
-            <a:r>
-              <a:rPr lang="en-US" altLang="zh-TW" b="1" dirty="0">
-                <a:solidFill>
-                  <a:srgbClr val="C00000"/>
-                </a:solidFill>
-                <a:latin typeface="Times New Roman" panose="02020603050405020304" pitchFamily="18" charset="0"/>
-                <a:ea typeface="微軟正黑體" panose="020B0604030504040204" pitchFamily="34" charset="-120"/>
-              </a:rPr>
-              <a:t>/</a:t>
-            </a:r>
-            <a:r>
-              <a:rPr lang="zh-TW" altLang="en-US" b="1" dirty="0">
-                <a:solidFill>
-                  <a:srgbClr val="C00000"/>
-                </a:solidFill>
-                <a:latin typeface="Times New Roman" panose="02020603050405020304" pitchFamily="18" charset="0"/>
-                <a:ea typeface="微軟正黑體" panose="020B0604030504040204" pitchFamily="34" charset="-120"/>
-              </a:rPr>
-              <a:t>執行方式 </a:t>
-            </a:r>
-          </a:p>
-        </p:txBody>
-      </p:sp>
-      <p:sp>
-        <p:nvSpPr>
-          <p:cNvPr id="3" name="內容版面配置區 2"/>
-          <p:cNvSpPr>
-            <a:spLocks noGrp="1"/>
-          </p:cNvSpPr>
-          <p:nvPr>
-            <p:ph idx="1"/>
-          </p:nvPr>
-        </p:nvSpPr>
-        <p:spPr/>
-        <p:txBody>
-          <a:bodyPr>
-            <a:normAutofit/>
-          </a:bodyPr>
-          <a:lstStyle/>
-          <a:p>
-            <a:r>
-              <a:rPr lang="zh-TW" altLang="en-US" sz="1800" dirty="0"/>
-              <a:t>執行環境：</a:t>
-            </a:r>
-            <a:r>
-              <a:rPr lang="en-US" altLang="zh-TW" sz="1800" dirty="0" err="1"/>
-              <a:t>pytorch</a:t>
-            </a:r>
-            <a:r>
-              <a:rPr lang="en-US" altLang="zh-TW" sz="1800" dirty="0"/>
-              <a:t> </a:t>
-            </a:r>
-          </a:p>
-          <a:p>
-            <a:endParaRPr lang="en-US" altLang="zh-TW" sz="1800" dirty="0"/>
-          </a:p>
-          <a:p>
-            <a:r>
-              <a:rPr lang="zh-TW" altLang="en-US" sz="1800" dirty="0"/>
-              <a:t>套裝選擇：</a:t>
-            </a:r>
-            <a:endParaRPr lang="en-US" altLang="zh-TW" sz="1800" dirty="0"/>
-          </a:p>
-          <a:p>
-            <a:pPr lvl="1"/>
-            <a:r>
-              <a:rPr lang="zh-TW" altLang="en-US" sz="1400" dirty="0"/>
-              <a:t>資料前處理：</a:t>
-            </a:r>
-            <a:r>
-              <a:rPr lang="en-US" altLang="zh-TW" sz="1400" dirty="0" err="1"/>
-              <a:t>numpy</a:t>
-            </a:r>
-            <a:r>
-              <a:rPr lang="zh-TW" altLang="en-US" sz="1400" dirty="0"/>
-              <a:t>、</a:t>
-            </a:r>
-            <a:r>
-              <a:rPr lang="en-US" altLang="zh-TW" sz="1400" dirty="0"/>
-              <a:t>pandas</a:t>
-            </a:r>
-          </a:p>
-          <a:p>
-            <a:pPr lvl="1"/>
-            <a:r>
-              <a:rPr lang="zh-TW" altLang="en-US" sz="1400" dirty="0"/>
-              <a:t>模型訓練：</a:t>
-            </a:r>
-            <a:r>
-              <a:rPr lang="en-US" altLang="zh-TW" sz="1400" dirty="0" err="1"/>
-              <a:t>tensorflow</a:t>
-            </a:r>
-            <a:r>
-              <a:rPr lang="zh-TW" altLang="en-US" sz="1400" dirty="0"/>
-              <a:t>、</a:t>
-            </a:r>
-            <a:r>
-              <a:rPr lang="en-US" altLang="zh-TW" sz="1400" dirty="0" err="1"/>
-              <a:t>sklearn</a:t>
-            </a:r>
-            <a:r>
-              <a:rPr lang="zh-TW" altLang="en-US" sz="1400" dirty="0"/>
-              <a:t>、</a:t>
-            </a:r>
-            <a:r>
-              <a:rPr lang="en-US" altLang="zh-TW" sz="1400" dirty="0" err="1"/>
-              <a:t>keras</a:t>
-            </a:r>
-            <a:endParaRPr lang="en-US" altLang="zh-TW" sz="1400" dirty="0"/>
-          </a:p>
-          <a:p>
-            <a:pPr lvl="1"/>
-            <a:r>
-              <a:rPr lang="zh-TW" altLang="en-US" sz="1400" dirty="0"/>
-              <a:t>其他：</a:t>
-            </a:r>
-            <a:r>
-              <a:rPr lang="en-US" altLang="zh-TW" sz="1400" dirty="0"/>
-              <a:t>copy</a:t>
-            </a:r>
-            <a:r>
-              <a:rPr lang="zh-TW" altLang="en-US" sz="1400" dirty="0"/>
-              <a:t>、</a:t>
-            </a:r>
-            <a:r>
-              <a:rPr lang="en-US" altLang="zh-TW" sz="1400" dirty="0" err="1"/>
-              <a:t>os</a:t>
-            </a:r>
-            <a:endParaRPr lang="en-US" altLang="zh-TW" sz="1400" dirty="0"/>
-          </a:p>
-          <a:p>
-            <a:endParaRPr lang="en-US" altLang="zh-TW" sz="1800" dirty="0"/>
-          </a:p>
-          <a:p>
-            <a:r>
-              <a:rPr lang="zh-TW" altLang="en-US" sz="1800" dirty="0"/>
-              <a:t>執行方式：</a:t>
-            </a:r>
-          </a:p>
-        </p:txBody>
-      </p:sp>
-      <p:graphicFrame>
-        <p:nvGraphicFramePr>
-          <p:cNvPr id="5" name="資料庫圖表 4">
-            <a:extLst>
-              <a:ext uri="{FF2B5EF4-FFF2-40B4-BE49-F238E27FC236}">
-                <a16:creationId xmlns:a16="http://schemas.microsoft.com/office/drawing/2014/main" id="{3DF45435-1E47-B7F1-A995-CFC0574FCE2D}"/>
-              </a:ext>
-            </a:extLst>
-          </p:cNvPr>
-          <p:cNvGraphicFramePr/>
-          <p:nvPr>
-            <p:extLst>
-              <p:ext uri="{D42A27DB-BD31-4B8C-83A1-F6EECF244321}">
-                <p14:modId xmlns:p14="http://schemas.microsoft.com/office/powerpoint/2010/main" val="296949333"/>
-              </p:ext>
-            </p:extLst>
-          </p:nvPr>
-        </p:nvGraphicFramePr>
-        <p:xfrm>
-          <a:off x="2817004" y="2868288"/>
-          <a:ext cx="6257985" cy="4598048"/>
-        </p:xfrm>
-        <a:graphic>
-          <a:graphicData uri="http://schemas.openxmlformats.org/drawingml/2006/diagram">
-            <dgm:relIds xmlns:dgm="http://schemas.openxmlformats.org/drawingml/2006/diagram" xmlns:r="http://schemas.openxmlformats.org/officeDocument/2006/relationships" r:dm="rId2" r:lo="rId3" r:qs="rId4" r:cs="rId5"/>
-          </a:graphicData>
-        </a:graphic>
-      </p:graphicFrame>
-    </p:spTree>
   </p:cSld>
   <p:clrMapOvr>
     <a:masterClrMapping/>
